--- a/weekly_report160606.pptx
+++ b/weekly_report160606.pptx
@@ -127,7 +127,7 @@
   </p:defaultTextStyle>
   <p:extLst>
     <p:ext uri="{EFAFB233-063F-42B5-8137-9DF3F51BA10A}">
-      <p15:sldGuideLst xmlns:p15="http://schemas.microsoft.com/office/powerpoint/2012/main">
+      <p15:sldGuideLst xmlns:p15="http://schemas.microsoft.com/office/powerpoint/2012/main" xmlns="">
         <p15:guide id="1" orient="horz" pos="2160">
           <p15:clr>
             <a:srgbClr val="A4A3A4"/>
@@ -3172,7 +3172,12 @@
             <p:ph type="subTitle" idx="1"/>
           </p:nvPr>
         </p:nvSpPr>
-        <p:spPr/>
+        <p:spPr>
+          <a:xfrm>
+            <a:off x="-252536" y="4221088"/>
+            <a:ext cx="6400800" cy="1752600"/>
+          </a:xfrm>
+        </p:spPr>
         <p:txBody>
           <a:bodyPr/>
           <a:lstStyle/>
